--- a/architektura.pptx
+++ b/architektura.pptx
@@ -616,9 +616,9 @@
           <a:p>
             <a:fld id="{42974C12-8B1A-4725-90F4-4078DBA38761}" type="datetimeFigureOut">
               <a:rPr lang="cs-CZ" smtClean="0"/>
-              <a:t>16.10.2023</a:t>
+              <a:t>23.10.2023</a:t>
             </a:fld>
-            <a:endParaRPr lang="cs-CZ"/>
+            <a:endParaRPr lang="cs-CZ" dirty="0"/>
           </a:p>
         </p:txBody>
       </p:sp>
@@ -643,7 +643,7 @@
           <a:bodyPr/>
           <a:lstStyle/>
           <a:p>
-            <a:endParaRPr lang="cs-CZ"/>
+            <a:endParaRPr lang="cs-CZ" dirty="0"/>
           </a:p>
         </p:txBody>
       </p:sp>
@@ -672,7 +672,7 @@
               <a:rPr lang="cs-CZ" smtClean="0"/>
               <a:t>‹#›</a:t>
             </a:fld>
-            <a:endParaRPr lang="cs-CZ"/>
+            <a:endParaRPr lang="cs-CZ" dirty="0"/>
           </a:p>
         </p:txBody>
       </p:sp>
@@ -814,9 +814,9 @@
           <a:p>
             <a:fld id="{42974C12-8B1A-4725-90F4-4078DBA38761}" type="datetimeFigureOut">
               <a:rPr lang="cs-CZ" smtClean="0"/>
-              <a:t>16.10.2023</a:t>
+              <a:t>23.10.2023</a:t>
             </a:fld>
-            <a:endParaRPr lang="cs-CZ"/>
+            <a:endParaRPr lang="cs-CZ" dirty="0"/>
           </a:p>
         </p:txBody>
       </p:sp>
@@ -841,7 +841,7 @@
           <a:bodyPr/>
           <a:lstStyle/>
           <a:p>
-            <a:endParaRPr lang="cs-CZ"/>
+            <a:endParaRPr lang="cs-CZ" dirty="0"/>
           </a:p>
         </p:txBody>
       </p:sp>
@@ -870,7 +870,7 @@
               <a:rPr lang="cs-CZ" smtClean="0"/>
               <a:t>‹#›</a:t>
             </a:fld>
-            <a:endParaRPr lang="cs-CZ"/>
+            <a:endParaRPr lang="cs-CZ" dirty="0"/>
           </a:p>
         </p:txBody>
       </p:sp>
@@ -1022,9 +1022,9 @@
           <a:p>
             <a:fld id="{42974C12-8B1A-4725-90F4-4078DBA38761}" type="datetimeFigureOut">
               <a:rPr lang="cs-CZ" smtClean="0"/>
-              <a:t>16.10.2023</a:t>
+              <a:t>23.10.2023</a:t>
             </a:fld>
-            <a:endParaRPr lang="cs-CZ"/>
+            <a:endParaRPr lang="cs-CZ" dirty="0"/>
           </a:p>
         </p:txBody>
       </p:sp>
@@ -1049,7 +1049,7 @@
           <a:bodyPr/>
           <a:lstStyle/>
           <a:p>
-            <a:endParaRPr lang="cs-CZ"/>
+            <a:endParaRPr lang="cs-CZ" dirty="0"/>
           </a:p>
         </p:txBody>
       </p:sp>
@@ -1078,7 +1078,7 @@
               <a:rPr lang="cs-CZ" smtClean="0"/>
               <a:t>‹#›</a:t>
             </a:fld>
-            <a:endParaRPr lang="cs-CZ"/>
+            <a:endParaRPr lang="cs-CZ" dirty="0"/>
           </a:p>
         </p:txBody>
       </p:sp>
@@ -1220,9 +1220,9 @@
           <a:p>
             <a:fld id="{42974C12-8B1A-4725-90F4-4078DBA38761}" type="datetimeFigureOut">
               <a:rPr lang="cs-CZ" smtClean="0"/>
-              <a:t>16.10.2023</a:t>
+              <a:t>23.10.2023</a:t>
             </a:fld>
-            <a:endParaRPr lang="cs-CZ"/>
+            <a:endParaRPr lang="cs-CZ" dirty="0"/>
           </a:p>
         </p:txBody>
       </p:sp>
@@ -1247,7 +1247,7 @@
           <a:bodyPr/>
           <a:lstStyle/>
           <a:p>
-            <a:endParaRPr lang="cs-CZ"/>
+            <a:endParaRPr lang="cs-CZ" dirty="0"/>
           </a:p>
         </p:txBody>
       </p:sp>
@@ -1276,7 +1276,7 @@
               <a:rPr lang="cs-CZ" smtClean="0"/>
               <a:t>‹#›</a:t>
             </a:fld>
-            <a:endParaRPr lang="cs-CZ"/>
+            <a:endParaRPr lang="cs-CZ" dirty="0"/>
           </a:p>
         </p:txBody>
       </p:sp>
@@ -1495,9 +1495,9 @@
           <a:p>
             <a:fld id="{42974C12-8B1A-4725-90F4-4078DBA38761}" type="datetimeFigureOut">
               <a:rPr lang="cs-CZ" smtClean="0"/>
-              <a:t>16.10.2023</a:t>
+              <a:t>23.10.2023</a:t>
             </a:fld>
-            <a:endParaRPr lang="cs-CZ"/>
+            <a:endParaRPr lang="cs-CZ" dirty="0"/>
           </a:p>
         </p:txBody>
       </p:sp>
@@ -1522,7 +1522,7 @@
           <a:bodyPr/>
           <a:lstStyle/>
           <a:p>
-            <a:endParaRPr lang="cs-CZ"/>
+            <a:endParaRPr lang="cs-CZ" dirty="0"/>
           </a:p>
         </p:txBody>
       </p:sp>
@@ -1551,7 +1551,7 @@
               <a:rPr lang="cs-CZ" smtClean="0"/>
               <a:t>‹#›</a:t>
             </a:fld>
-            <a:endParaRPr lang="cs-CZ"/>
+            <a:endParaRPr lang="cs-CZ" dirty="0"/>
           </a:p>
         </p:txBody>
       </p:sp>
@@ -1760,9 +1760,9 @@
           <a:p>
             <a:fld id="{42974C12-8B1A-4725-90F4-4078DBA38761}" type="datetimeFigureOut">
               <a:rPr lang="cs-CZ" smtClean="0"/>
-              <a:t>16.10.2023</a:t>
+              <a:t>23.10.2023</a:t>
             </a:fld>
-            <a:endParaRPr lang="cs-CZ"/>
+            <a:endParaRPr lang="cs-CZ" dirty="0"/>
           </a:p>
         </p:txBody>
       </p:sp>
@@ -1787,7 +1787,7 @@
           <a:bodyPr/>
           <a:lstStyle/>
           <a:p>
-            <a:endParaRPr lang="cs-CZ"/>
+            <a:endParaRPr lang="cs-CZ" dirty="0"/>
           </a:p>
         </p:txBody>
       </p:sp>
@@ -1816,7 +1816,7 @@
               <a:rPr lang="cs-CZ" smtClean="0"/>
               <a:t>‹#›</a:t>
             </a:fld>
-            <a:endParaRPr lang="cs-CZ"/>
+            <a:endParaRPr lang="cs-CZ" dirty="0"/>
           </a:p>
         </p:txBody>
       </p:sp>
@@ -2172,9 +2172,9 @@
           <a:p>
             <a:fld id="{42974C12-8B1A-4725-90F4-4078DBA38761}" type="datetimeFigureOut">
               <a:rPr lang="cs-CZ" smtClean="0"/>
-              <a:t>16.10.2023</a:t>
+              <a:t>23.10.2023</a:t>
             </a:fld>
-            <a:endParaRPr lang="cs-CZ"/>
+            <a:endParaRPr lang="cs-CZ" dirty="0"/>
           </a:p>
         </p:txBody>
       </p:sp>
@@ -2199,7 +2199,7 @@
           <a:bodyPr/>
           <a:lstStyle/>
           <a:p>
-            <a:endParaRPr lang="cs-CZ"/>
+            <a:endParaRPr lang="cs-CZ" dirty="0"/>
           </a:p>
         </p:txBody>
       </p:sp>
@@ -2228,7 +2228,7 @@
               <a:rPr lang="cs-CZ" smtClean="0"/>
               <a:t>‹#›</a:t>
             </a:fld>
-            <a:endParaRPr lang="cs-CZ"/>
+            <a:endParaRPr lang="cs-CZ" dirty="0"/>
           </a:p>
         </p:txBody>
       </p:sp>
@@ -2313,9 +2313,9 @@
           <a:p>
             <a:fld id="{42974C12-8B1A-4725-90F4-4078DBA38761}" type="datetimeFigureOut">
               <a:rPr lang="cs-CZ" smtClean="0"/>
-              <a:t>16.10.2023</a:t>
+              <a:t>23.10.2023</a:t>
             </a:fld>
-            <a:endParaRPr lang="cs-CZ"/>
+            <a:endParaRPr lang="cs-CZ" dirty="0"/>
           </a:p>
         </p:txBody>
       </p:sp>
@@ -2340,7 +2340,7 @@
           <a:bodyPr/>
           <a:lstStyle/>
           <a:p>
-            <a:endParaRPr lang="cs-CZ"/>
+            <a:endParaRPr lang="cs-CZ" dirty="0"/>
           </a:p>
         </p:txBody>
       </p:sp>
@@ -2369,7 +2369,7 @@
               <a:rPr lang="cs-CZ" smtClean="0"/>
               <a:t>‹#›</a:t>
             </a:fld>
-            <a:endParaRPr lang="cs-CZ"/>
+            <a:endParaRPr lang="cs-CZ" dirty="0"/>
           </a:p>
         </p:txBody>
       </p:sp>
@@ -2426,9 +2426,9 @@
           <a:p>
             <a:fld id="{42974C12-8B1A-4725-90F4-4078DBA38761}" type="datetimeFigureOut">
               <a:rPr lang="cs-CZ" smtClean="0"/>
-              <a:t>16.10.2023</a:t>
+              <a:t>23.10.2023</a:t>
             </a:fld>
-            <a:endParaRPr lang="cs-CZ"/>
+            <a:endParaRPr lang="cs-CZ" dirty="0"/>
           </a:p>
         </p:txBody>
       </p:sp>
@@ -2453,7 +2453,7 @@
           <a:bodyPr/>
           <a:lstStyle/>
           <a:p>
-            <a:endParaRPr lang="cs-CZ"/>
+            <a:endParaRPr lang="cs-CZ" dirty="0"/>
           </a:p>
         </p:txBody>
       </p:sp>
@@ -2482,7 +2482,7 @@
               <a:rPr lang="cs-CZ" smtClean="0"/>
               <a:t>‹#›</a:t>
             </a:fld>
-            <a:endParaRPr lang="cs-CZ"/>
+            <a:endParaRPr lang="cs-CZ" dirty="0"/>
           </a:p>
         </p:txBody>
       </p:sp>
@@ -2737,9 +2737,9 @@
           <a:p>
             <a:fld id="{42974C12-8B1A-4725-90F4-4078DBA38761}" type="datetimeFigureOut">
               <a:rPr lang="cs-CZ" smtClean="0"/>
-              <a:t>16.10.2023</a:t>
+              <a:t>23.10.2023</a:t>
             </a:fld>
-            <a:endParaRPr lang="cs-CZ"/>
+            <a:endParaRPr lang="cs-CZ" dirty="0"/>
           </a:p>
         </p:txBody>
       </p:sp>
@@ -2764,7 +2764,7 @@
           <a:bodyPr/>
           <a:lstStyle/>
           <a:p>
-            <a:endParaRPr lang="cs-CZ"/>
+            <a:endParaRPr lang="cs-CZ" dirty="0"/>
           </a:p>
         </p:txBody>
       </p:sp>
@@ -2793,7 +2793,7 @@
               <a:rPr lang="cs-CZ" smtClean="0"/>
               <a:t>‹#›</a:t>
             </a:fld>
-            <a:endParaRPr lang="cs-CZ"/>
+            <a:endParaRPr lang="cs-CZ" dirty="0"/>
           </a:p>
         </p:txBody>
       </p:sp>
@@ -2927,7 +2927,7 @@
             </a:lvl9pPr>
           </a:lstStyle>
           <a:p>
-            <a:endParaRPr lang="cs-CZ"/>
+            <a:endParaRPr lang="cs-CZ" dirty="0"/>
           </a:p>
         </p:txBody>
       </p:sp>
@@ -3025,9 +3025,9 @@
           <a:p>
             <a:fld id="{42974C12-8B1A-4725-90F4-4078DBA38761}" type="datetimeFigureOut">
               <a:rPr lang="cs-CZ" smtClean="0"/>
-              <a:t>16.10.2023</a:t>
+              <a:t>23.10.2023</a:t>
             </a:fld>
-            <a:endParaRPr lang="cs-CZ"/>
+            <a:endParaRPr lang="cs-CZ" dirty="0"/>
           </a:p>
         </p:txBody>
       </p:sp>
@@ -3052,7 +3052,7 @@
           <a:bodyPr/>
           <a:lstStyle/>
           <a:p>
-            <a:endParaRPr lang="cs-CZ"/>
+            <a:endParaRPr lang="cs-CZ" dirty="0"/>
           </a:p>
         </p:txBody>
       </p:sp>
@@ -3081,7 +3081,7 @@
               <a:rPr lang="cs-CZ" smtClean="0"/>
               <a:t>‹#›</a:t>
             </a:fld>
-            <a:endParaRPr lang="cs-CZ"/>
+            <a:endParaRPr lang="cs-CZ" dirty="0"/>
           </a:p>
         </p:txBody>
       </p:sp>
@@ -3266,9 +3266,9 @@
           <a:p>
             <a:fld id="{42974C12-8B1A-4725-90F4-4078DBA38761}" type="datetimeFigureOut">
               <a:rPr lang="cs-CZ" smtClean="0"/>
-              <a:t>16.10.2023</a:t>
+              <a:t>23.10.2023</a:t>
             </a:fld>
-            <a:endParaRPr lang="cs-CZ"/>
+            <a:endParaRPr lang="cs-CZ" dirty="0"/>
           </a:p>
         </p:txBody>
       </p:sp>
@@ -3311,7 +3311,7 @@
             </a:lvl1pPr>
           </a:lstStyle>
           <a:p>
-            <a:endParaRPr lang="cs-CZ"/>
+            <a:endParaRPr lang="cs-CZ" dirty="0"/>
           </a:p>
         </p:txBody>
       </p:sp>
@@ -3358,7 +3358,7 @@
               <a:rPr lang="cs-CZ" smtClean="0"/>
               <a:t>‹#›</a:t>
             </a:fld>
-            <a:endParaRPr lang="cs-CZ"/>
+            <a:endParaRPr lang="cs-CZ" dirty="0"/>
           </a:p>
         </p:txBody>
       </p:sp>
@@ -3731,7 +3731,7 @@
           <a:lstStyle/>
           <a:p>
             <a:pPr algn="ctr"/>
-            <a:endParaRPr lang="cs-CZ"/>
+            <a:endParaRPr lang="cs-CZ" dirty="0"/>
           </a:p>
         </p:txBody>
       </p:sp>
@@ -3749,10 +3749,10 @@
         </p:nvGrpSpPr>
         <p:grpSpPr>
           <a:xfrm>
-            <a:off x="211345" y="1116080"/>
-            <a:ext cx="11769309" cy="5544551"/>
+            <a:off x="211345" y="1088198"/>
+            <a:ext cx="11769309" cy="5319820"/>
             <a:chOff x="198404" y="155276"/>
-            <a:chExt cx="11769309" cy="5544551"/>
+            <a:chExt cx="11769309" cy="5319820"/>
           </a:xfrm>
         </p:grpSpPr>
         <p:sp>
@@ -3803,7 +3803,7 @@
             <a:lstStyle/>
             <a:p>
               <a:pPr algn="ctr"/>
-              <a:endParaRPr lang="cs-CZ"/>
+              <a:endParaRPr lang="cs-CZ" dirty="0"/>
             </a:p>
           </p:txBody>
         </p:sp>
@@ -3864,9 +3864,9 @@
           <p:grpSpPr>
             <a:xfrm>
               <a:off x="198404" y="155276"/>
-              <a:ext cx="11470623" cy="5544551"/>
+              <a:ext cx="11470623" cy="5319820"/>
               <a:chOff x="198404" y="155276"/>
-              <a:chExt cx="11470623" cy="5544551"/>
+              <a:chExt cx="11470623" cy="5319820"/>
             </a:xfrm>
           </p:grpSpPr>
           <p:sp>
@@ -3920,7 +3920,7 @@
               <a:lstStyle/>
               <a:p>
                 <a:pPr algn="ctr"/>
-                <a:endParaRPr lang="cs-CZ"/>
+                <a:endParaRPr lang="cs-CZ" dirty="0"/>
               </a:p>
             </p:txBody>
           </p:sp>
@@ -3972,7 +3972,7 @@
               <a:lstStyle/>
               <a:p>
                 <a:pPr algn="ctr"/>
-                <a:endParaRPr lang="cs-CZ"/>
+                <a:endParaRPr lang="cs-CZ" dirty="0"/>
               </a:p>
             </p:txBody>
           </p:sp>
@@ -4032,7 +4032,7 @@
               <a:lstStyle/>
               <a:p>
                 <a:pPr algn="ctr"/>
-                <a:endParaRPr lang="cs-CZ"/>
+                <a:endParaRPr lang="cs-CZ" dirty="0"/>
               </a:p>
             </p:txBody>
           </p:sp>
@@ -4050,7 +4050,7 @@
             </p:nvSpPr>
             <p:spPr>
               <a:xfrm>
-                <a:off x="2685688" y="1906438"/>
+                <a:off x="347012" y="871115"/>
                 <a:ext cx="1863307" cy="715992"/>
               </a:xfrm>
               <a:prstGeom prst="rect">
@@ -4081,7 +4081,7 @@
               <a:lstStyle/>
               <a:p>
                 <a:pPr algn="ctr"/>
-                <a:endParaRPr lang="cs-CZ"/>
+                <a:endParaRPr lang="cs-CZ" dirty="0"/>
               </a:p>
             </p:txBody>
           </p:sp>
@@ -4099,7 +4099,7 @@
             </p:nvSpPr>
             <p:spPr>
               <a:xfrm>
-                <a:off x="2685688" y="743952"/>
+                <a:off x="2686060" y="740504"/>
                 <a:ext cx="1579347" cy="715992"/>
               </a:xfrm>
               <a:prstGeom prst="rect">
@@ -4130,7 +4130,7 @@
               <a:lstStyle/>
               <a:p>
                 <a:pPr algn="ctr"/>
-                <a:endParaRPr lang="cs-CZ"/>
+                <a:endParaRPr lang="cs-CZ" dirty="0"/>
               </a:p>
             </p:txBody>
           </p:sp>
@@ -4148,8 +4148,8 @@
             </p:nvSpPr>
             <p:spPr>
               <a:xfrm>
-                <a:off x="1023664" y="2898475"/>
-                <a:ext cx="3065258" cy="715992"/>
+                <a:off x="343235" y="2871367"/>
+                <a:ext cx="2671144" cy="715992"/>
               </a:xfrm>
               <a:prstGeom prst="rect">
                 <a:avLst/>
@@ -4179,7 +4179,7 @@
               <a:lstStyle/>
               <a:p>
                 <a:pPr algn="ctr"/>
-                <a:endParaRPr lang="cs-CZ"/>
+                <a:endParaRPr lang="cs-CZ" dirty="0"/>
               </a:p>
             </p:txBody>
           </p:sp>
@@ -4197,7 +4197,7 @@
             </p:nvSpPr>
             <p:spPr>
               <a:xfrm>
-                <a:off x="608160" y="1906438"/>
+                <a:off x="352255" y="1842846"/>
                 <a:ext cx="1863307" cy="715992"/>
               </a:xfrm>
               <a:prstGeom prst="rect">
@@ -4293,7 +4293,7 @@
             </p:nvSpPr>
             <p:spPr>
               <a:xfrm>
-                <a:off x="2840604" y="868807"/>
+                <a:off x="2840428" y="867667"/>
                 <a:ext cx="1449239" cy="461665"/>
               </a:xfrm>
               <a:prstGeom prst="rect">
@@ -4332,7 +4332,7 @@
             </p:nvSpPr>
             <p:spPr>
               <a:xfrm>
-                <a:off x="2898475" y="2033601"/>
+                <a:off x="530538" y="991424"/>
                 <a:ext cx="1685024" cy="461665"/>
               </a:xfrm>
               <a:prstGeom prst="rect">
@@ -4371,8 +4371,8 @@
             </p:nvSpPr>
             <p:spPr>
               <a:xfrm>
-                <a:off x="667108" y="1958857"/>
-                <a:ext cx="1685024" cy="461665"/>
+                <a:off x="627199" y="1943957"/>
+                <a:ext cx="1371597" cy="461665"/>
               </a:xfrm>
               <a:prstGeom prst="rect">
                 <a:avLst/>
@@ -4410,7 +4410,7 @@
             </p:nvSpPr>
             <p:spPr>
               <a:xfrm>
-                <a:off x="1270238" y="3023330"/>
+                <a:off x="403565" y="2972464"/>
                 <a:ext cx="2625306" cy="461665"/>
               </a:xfrm>
               <a:prstGeom prst="rect">
@@ -4465,7 +4465,7 @@
             </p:nvCxnSpPr>
             <p:spPr>
               <a:xfrm flipH="1">
-                <a:off x="2587925" y="3743863"/>
+                <a:off x="1709036" y="3693739"/>
                 <a:ext cx="7183" cy="715994"/>
               </a:xfrm>
               <a:prstGeom prst="straightConnector1">
@@ -4520,7 +4520,7 @@
             </p:blipFill>
             <p:spPr bwMode="auto">
               <a:xfrm>
-                <a:off x="2048773" y="4634464"/>
+                <a:off x="1183537" y="4409733"/>
                 <a:ext cx="1065363" cy="1065363"/>
               </a:xfrm>
               <a:prstGeom prst="rect">
@@ -4618,8 +4618,8 @@
             </p:nvCxnSpPr>
             <p:spPr>
               <a:xfrm>
-                <a:off x="5479208" y="1099639"/>
-                <a:ext cx="1611705" cy="0"/>
+                <a:off x="9160535" y="1228142"/>
+                <a:ext cx="607249" cy="0"/>
               </a:xfrm>
               <a:prstGeom prst="straightConnector1">
                 <a:avLst/>
@@ -4658,7 +4658,7 @@
             </p:nvSpPr>
             <p:spPr>
               <a:xfrm>
-                <a:off x="5765326" y="556597"/>
+                <a:off x="5767643" y="556100"/>
                 <a:ext cx="1449239" cy="461665"/>
               </a:xfrm>
               <a:prstGeom prst="rect">
@@ -4761,41 +4761,6 @@
           </p:cxnSp>
           <p:sp>
             <p:nvSpPr>
-              <p:cNvPr id="41" name="TextovéPole 40">
-                <a:extLst>
-                  <a:ext uri="{FF2B5EF4-FFF2-40B4-BE49-F238E27FC236}">
-                    <a16:creationId xmlns:a16="http://schemas.microsoft.com/office/drawing/2014/main" id="{A2C64313-49C1-ACA4-5D53-DC647A895EA3}"/>
-                  </a:ext>
-                </a:extLst>
-              </p:cNvPr>
-              <p:cNvSpPr txBox="1"/>
-              <p:nvPr/>
-            </p:nvSpPr>
-            <p:spPr>
-              <a:xfrm>
-                <a:off x="5270019" y="2714632"/>
-                <a:ext cx="1502437" cy="400110"/>
-              </a:xfrm>
-              <a:prstGeom prst="rect">
-                <a:avLst/>
-              </a:prstGeom>
-              <a:noFill/>
-            </p:spPr>
-            <p:txBody>
-              <a:bodyPr wrap="square" rtlCol="0">
-                <a:spAutoFit/>
-              </a:bodyPr>
-              <a:lstStyle/>
-              <a:p>
-                <a:r>
-                  <a:rPr lang="en-US" sz="2000" b="1" dirty="0"/>
-                  <a:t>Web socket</a:t>
-                </a:r>
-              </a:p>
-            </p:txBody>
-          </p:sp>
-          <p:sp>
-            <p:nvSpPr>
               <p:cNvPr id="45" name="Obdélník 44">
                 <a:extLst>
                   <a:ext uri="{FF2B5EF4-FFF2-40B4-BE49-F238E27FC236}">
@@ -4842,7 +4807,7 @@
               <a:lstStyle/>
               <a:p>
                 <a:pPr algn="ctr"/>
-                <a:endParaRPr lang="cs-CZ"/>
+                <a:endParaRPr lang="cs-CZ" dirty="0"/>
               </a:p>
             </p:txBody>
           </p:sp>
@@ -4891,7 +4856,7 @@
               <a:lstStyle/>
               <a:p>
                 <a:pPr algn="ctr"/>
-                <a:endParaRPr lang="cs-CZ"/>
+                <a:endParaRPr lang="cs-CZ" dirty="0"/>
               </a:p>
             </p:txBody>
           </p:sp>
@@ -4948,7 +4913,56 @@
             </p:nvSpPr>
             <p:spPr>
               <a:xfrm>
-                <a:off x="7727283" y="1121434"/>
+                <a:off x="7589766" y="896387"/>
+                <a:ext cx="1579347" cy="699207"/>
+              </a:xfrm>
+              <a:prstGeom prst="rect">
+                <a:avLst/>
+              </a:prstGeom>
+              <a:ln>
+                <a:noFill/>
+              </a:ln>
+            </p:spPr>
+            <p:style>
+              <a:lnRef idx="2">
+                <a:schemeClr val="accent1">
+                  <a:shade val="15000"/>
+                </a:schemeClr>
+              </a:lnRef>
+              <a:fillRef idx="1">
+                <a:schemeClr val="accent1"/>
+              </a:fillRef>
+              <a:effectRef idx="0">
+                <a:schemeClr val="accent1"/>
+              </a:effectRef>
+              <a:fontRef idx="minor">
+                <a:schemeClr val="lt1"/>
+              </a:fontRef>
+            </p:style>
+            <p:txBody>
+              <a:bodyPr rtlCol="0" anchor="ctr"/>
+              <a:lstStyle/>
+              <a:p>
+                <a:pPr algn="ctr"/>
+                <a:endParaRPr lang="cs-CZ" dirty="0"/>
+              </a:p>
+            </p:txBody>
+          </p:sp>
+          <p:sp>
+            <p:nvSpPr>
+              <p:cNvPr id="50" name="Obdélník 49">
+                <a:extLst>
+                  <a:ext uri="{FF2B5EF4-FFF2-40B4-BE49-F238E27FC236}">
+                    <a16:creationId xmlns:a16="http://schemas.microsoft.com/office/drawing/2014/main" id="{1E266B67-69C7-03F9-112F-93213100A126}"/>
+                  </a:ext>
+                </a:extLst>
+              </p:cNvPr>
+              <p:cNvSpPr/>
+              <p:nvPr/>
+            </p:nvSpPr>
+            <p:spPr>
+              <a:xfrm>
+                <a:off x="9959572" y="1987017"/>
                 <a:ext cx="1579347" cy="715992"/>
               </a:xfrm>
               <a:prstGeom prst="rect">
@@ -4979,56 +4993,7 @@
               <a:lstStyle/>
               <a:p>
                 <a:pPr algn="ctr"/>
-                <a:endParaRPr lang="cs-CZ"/>
-              </a:p>
-            </p:txBody>
-          </p:sp>
-          <p:sp>
-            <p:nvSpPr>
-              <p:cNvPr id="50" name="Obdélník 49">
-                <a:extLst>
-                  <a:ext uri="{FF2B5EF4-FFF2-40B4-BE49-F238E27FC236}">
-                    <a16:creationId xmlns:a16="http://schemas.microsoft.com/office/drawing/2014/main" id="{1E266B67-69C7-03F9-112F-93213100A126}"/>
-                  </a:ext>
-                </a:extLst>
-              </p:cNvPr>
-              <p:cNvSpPr/>
-              <p:nvPr/>
-            </p:nvSpPr>
-            <p:spPr>
-              <a:xfrm>
-                <a:off x="7718497" y="2015892"/>
-                <a:ext cx="1579347" cy="715992"/>
-              </a:xfrm>
-              <a:prstGeom prst="rect">
-                <a:avLst/>
-              </a:prstGeom>
-              <a:ln>
-                <a:noFill/>
-              </a:ln>
-            </p:spPr>
-            <p:style>
-              <a:lnRef idx="2">
-                <a:schemeClr val="accent1">
-                  <a:shade val="15000"/>
-                </a:schemeClr>
-              </a:lnRef>
-              <a:fillRef idx="1">
-                <a:schemeClr val="accent1"/>
-              </a:fillRef>
-              <a:effectRef idx="0">
-                <a:schemeClr val="accent1"/>
-              </a:effectRef>
-              <a:fontRef idx="minor">
-                <a:schemeClr val="lt1"/>
-              </a:fontRef>
-            </p:style>
-            <p:txBody>
-              <a:bodyPr rtlCol="0" anchor="ctr"/>
-              <a:lstStyle/>
-              <a:p>
-                <a:pPr algn="ctr"/>
-                <a:endParaRPr lang="cs-CZ"/>
+                <a:endParaRPr lang="cs-CZ" dirty="0"/>
               </a:p>
             </p:txBody>
           </p:sp>
@@ -5046,8 +5011,8 @@
             </p:nvSpPr>
             <p:spPr>
               <a:xfrm>
-                <a:off x="7943488" y="2160765"/>
-                <a:ext cx="1449239" cy="461665"/>
+                <a:off x="10175406" y="2097173"/>
+                <a:ext cx="1225286" cy="461665"/>
               </a:xfrm>
               <a:prstGeom prst="rect">
                 <a:avLst/>
@@ -5085,7 +5050,7 @@
             </p:nvSpPr>
             <p:spPr>
               <a:xfrm>
-                <a:off x="7925511" y="1272589"/>
+                <a:off x="7743257" y="1017765"/>
                 <a:ext cx="1270604" cy="461665"/>
               </a:xfrm>
               <a:prstGeom prst="rect">
@@ -5287,7 +5252,7 @@
         </p:nvSpPr>
         <p:spPr>
           <a:xfrm>
-            <a:off x="2955985" y="5682189"/>
+            <a:off x="2138634" y="5574807"/>
             <a:ext cx="2040864" cy="719723"/>
           </a:xfrm>
           <a:prstGeom prst="rect">
@@ -5324,50 +5289,6 @@
       </p:sp>
       <p:sp>
         <p:nvSpPr>
-          <p:cNvPr id="1033" name="TextovéPole 1032">
-            <a:extLst>
-              <a:ext uri="{FF2B5EF4-FFF2-40B4-BE49-F238E27FC236}">
-                <a16:creationId xmlns:a16="http://schemas.microsoft.com/office/drawing/2014/main" id="{5F7F8C4A-75A4-1909-4B51-3FCF3BD5C28A}"/>
-              </a:ext>
-            </a:extLst>
-          </p:cNvPr>
-          <p:cNvSpPr txBox="1"/>
-          <p:nvPr/>
-        </p:nvSpPr>
-        <p:spPr>
-          <a:xfrm>
-            <a:off x="3114136" y="5841995"/>
-            <a:ext cx="1065363" cy="400110"/>
-          </a:xfrm>
-          <a:prstGeom prst="rect">
-            <a:avLst/>
-          </a:prstGeom>
-          <a:noFill/>
-        </p:spPr>
-        <p:txBody>
-          <a:bodyPr wrap="square">
-            <a:spAutoFit/>
-          </a:bodyPr>
-          <a:lstStyle/>
-          <a:p>
-            <a:r>
-              <a:rPr lang="cs-CZ" sz="2000" b="1" dirty="0" err="1">
-                <a:solidFill>
-                  <a:schemeClr val="bg1"/>
-                </a:solidFill>
-              </a:rPr>
-              <a:t>MySQL</a:t>
-            </a:r>
-            <a:endParaRPr lang="en-US" sz="2000" b="1" dirty="0">
-              <a:solidFill>
-                <a:schemeClr val="bg1"/>
-              </a:solidFill>
-            </a:endParaRPr>
-          </a:p>
-        </p:txBody>
-      </p:sp>
-      <p:sp>
-        <p:nvSpPr>
           <p:cNvPr id="2" name="TextovéPole 32">
             <a:extLst>
               <a:ext uri="{FF2B5EF4-FFF2-40B4-BE49-F238E27FC236}">
@@ -5399,22 +5320,67 @@
               <a:t>A</a:t>
             </a:r>
             <a:r>
-              <a:rPr lang="en-US" sz="2400" b="1" dirty="0" err="1"/>
-              <a:t>zure</a:t>
-            </a:r>
-            <a:r>
               <a:rPr lang="en-US" sz="2400" b="1" dirty="0"/>
-              <a:t> service bus</a:t>
-            </a:r>
-          </a:p>
-        </p:txBody>
-      </p:sp>
-      <p:sp>
-        <p:nvSpPr>
-          <p:cNvPr id="5" name="TextovéPole 32">
-            <a:extLst>
-              <a:ext uri="{FF2B5EF4-FFF2-40B4-BE49-F238E27FC236}">
-                <a16:creationId xmlns:a16="http://schemas.microsoft.com/office/drawing/2014/main" id="{CC9B6C0F-7F45-0ED8-26CB-7AFC76E11181}"/>
+              <a:t>zure service bus</a:t>
+            </a:r>
+          </a:p>
+        </p:txBody>
+      </p:sp>
+      <p:sp>
+        <p:nvSpPr>
+          <p:cNvPr id="3" name="Obdélník 10">
+            <a:extLst>
+              <a:ext uri="{FF2B5EF4-FFF2-40B4-BE49-F238E27FC236}">
+                <a16:creationId xmlns:a16="http://schemas.microsoft.com/office/drawing/2014/main" id="{6EF03D22-2356-A725-6E11-35E77F536DAB}"/>
+              </a:ext>
+            </a:extLst>
+          </p:cNvPr>
+          <p:cNvSpPr/>
+          <p:nvPr/>
+        </p:nvSpPr>
+        <p:spPr>
+          <a:xfrm>
+            <a:off x="3067694" y="3811079"/>
+            <a:ext cx="1631107" cy="719642"/>
+          </a:xfrm>
+          <a:prstGeom prst="rect">
+            <a:avLst/>
+          </a:prstGeom>
+          <a:ln>
+            <a:noFill/>
+          </a:ln>
+        </p:spPr>
+        <p:style>
+          <a:lnRef idx="2">
+            <a:schemeClr val="accent1">
+              <a:shade val="15000"/>
+            </a:schemeClr>
+          </a:lnRef>
+          <a:fillRef idx="1">
+            <a:schemeClr val="accent1"/>
+          </a:fillRef>
+          <a:effectRef idx="0">
+            <a:schemeClr val="accent1"/>
+          </a:effectRef>
+          <a:fontRef idx="minor">
+            <a:schemeClr val="lt1"/>
+          </a:fontRef>
+        </p:style>
+        <p:txBody>
+          <a:bodyPr rtlCol="0" anchor="ctr"/>
+          <a:lstStyle/>
+          <a:p>
+            <a:pPr algn="ctr"/>
+            <a:endParaRPr lang="cs-CZ" dirty="0"/>
+          </a:p>
+        </p:txBody>
+      </p:sp>
+      <p:sp>
+        <p:nvSpPr>
+          <p:cNvPr id="9" name="TextovéPole 20">
+            <a:extLst>
+              <a:ext uri="{FF2B5EF4-FFF2-40B4-BE49-F238E27FC236}">
+                <a16:creationId xmlns:a16="http://schemas.microsoft.com/office/drawing/2014/main" id="{CA632397-50ED-8880-6AF7-66CEA77F5B2D}"/>
               </a:ext>
             </a:extLst>
           </p:cNvPr>
@@ -5423,8 +5389,8 @@
         </p:nvSpPr>
         <p:spPr>
           <a:xfrm>
-            <a:off x="3916419" y="5814569"/>
-            <a:ext cx="2324785" cy="830997"/>
+            <a:off x="2207468" y="5703837"/>
+            <a:ext cx="1903197" cy="461665"/>
           </a:xfrm>
           <a:prstGeom prst="rect">
             <a:avLst/>
@@ -5438,23 +5404,283 @@
           <a:lstStyle/>
           <a:p>
             <a:r>
-              <a:rPr lang="cs-CZ" sz="2400" b="1" dirty="0"/>
-              <a:t> </a:t>
-            </a:r>
-            <a:r>
               <a:rPr lang="cs-CZ" sz="2400" b="1" dirty="0">
                 <a:solidFill>
                   <a:schemeClr val="bg1"/>
                 </a:solidFill>
               </a:rPr>
-              <a:t>8.0.34</a:t>
-            </a:r>
-          </a:p>
-          <a:p>
-            <a:endParaRPr lang="en-US" sz="2400" b="1" dirty="0"/>
-          </a:p>
-        </p:txBody>
-      </p:sp>
+              <a:t>MS SQL 16.0</a:t>
+            </a:r>
+            <a:endParaRPr lang="en-US" sz="2400" b="1" dirty="0">
+              <a:solidFill>
+                <a:schemeClr val="bg1"/>
+              </a:solidFill>
+            </a:endParaRPr>
+          </a:p>
+        </p:txBody>
+      </p:sp>
+      <p:cxnSp>
+        <p:nvCxnSpPr>
+          <p:cNvPr id="16" name="Přímá spojnice se šipkou 28">
+            <a:extLst>
+              <a:ext uri="{FF2B5EF4-FFF2-40B4-BE49-F238E27FC236}">
+                <a16:creationId xmlns:a16="http://schemas.microsoft.com/office/drawing/2014/main" id="{AD9CDF87-8126-AC41-E21D-26AA6413F97F}"/>
+              </a:ext>
+            </a:extLst>
+          </p:cNvPr>
+          <p:cNvCxnSpPr>
+            <a:cxnSpLocks/>
+          </p:cNvCxnSpPr>
+          <p:nvPr/>
+        </p:nvCxnSpPr>
+        <p:spPr>
+          <a:xfrm flipV="1">
+            <a:off x="3861952" y="2622124"/>
+            <a:ext cx="0" cy="956803"/>
+          </a:xfrm>
+          <a:prstGeom prst="straightConnector1">
+            <a:avLst/>
+          </a:prstGeom>
+          <a:ln w="28575">
+            <a:headEnd type="triangle"/>
+            <a:tailEnd type="triangle"/>
+          </a:ln>
+        </p:spPr>
+        <p:style>
+          <a:lnRef idx="1">
+            <a:schemeClr val="dk1"/>
+          </a:lnRef>
+          <a:fillRef idx="0">
+            <a:schemeClr val="dk1"/>
+          </a:fillRef>
+          <a:effectRef idx="0">
+            <a:schemeClr val="dk1"/>
+          </a:effectRef>
+          <a:fontRef idx="minor">
+            <a:schemeClr val="tx1"/>
+          </a:fontRef>
+        </p:style>
+      </p:cxnSp>
+      <p:cxnSp>
+        <p:nvCxnSpPr>
+          <p:cNvPr id="32" name="Přímá spojnice se šipkou 28">
+            <a:extLst>
+              <a:ext uri="{FF2B5EF4-FFF2-40B4-BE49-F238E27FC236}">
+                <a16:creationId xmlns:a16="http://schemas.microsoft.com/office/drawing/2014/main" id="{65532D38-9F67-D783-0A21-FCC56FA9AAC2}"/>
+              </a:ext>
+            </a:extLst>
+          </p:cNvPr>
+          <p:cNvCxnSpPr>
+            <a:cxnSpLocks/>
+          </p:cNvCxnSpPr>
+          <p:nvPr/>
+        </p:nvCxnSpPr>
+        <p:spPr>
+          <a:xfrm flipV="1">
+            <a:off x="5425041" y="2054996"/>
+            <a:ext cx="1739198" cy="2212"/>
+          </a:xfrm>
+          <a:prstGeom prst="straightConnector1">
+            <a:avLst/>
+          </a:prstGeom>
+          <a:ln w="28575">
+            <a:headEnd type="triangle"/>
+            <a:tailEnd type="triangle"/>
+          </a:ln>
+        </p:spPr>
+        <p:style>
+          <a:lnRef idx="1">
+            <a:schemeClr val="dk1"/>
+          </a:lnRef>
+          <a:fillRef idx="0">
+            <a:schemeClr val="dk1"/>
+          </a:fillRef>
+          <a:effectRef idx="0">
+            <a:schemeClr val="dk1"/>
+          </a:effectRef>
+          <a:fontRef idx="minor">
+            <a:schemeClr val="tx1"/>
+          </a:fontRef>
+        </p:style>
+      </p:cxnSp>
+      <p:sp>
+        <p:nvSpPr>
+          <p:cNvPr id="35" name="TextovéPole 18">
+            <a:extLst>
+              <a:ext uri="{FF2B5EF4-FFF2-40B4-BE49-F238E27FC236}">
+                <a16:creationId xmlns:a16="http://schemas.microsoft.com/office/drawing/2014/main" id="{DCB3BD80-153D-9F8E-2287-134A71BBCD8C}"/>
+              </a:ext>
+            </a:extLst>
+          </p:cNvPr>
+          <p:cNvSpPr txBox="1"/>
+          <p:nvPr/>
+        </p:nvSpPr>
+        <p:spPr>
+          <a:xfrm>
+            <a:off x="3169302" y="3748108"/>
+            <a:ext cx="1449234" cy="830997"/>
+          </a:xfrm>
+          <a:prstGeom prst="rect">
+            <a:avLst/>
+          </a:prstGeom>
+          <a:noFill/>
+        </p:spPr>
+        <p:txBody>
+          <a:bodyPr wrap="square" rtlCol="0">
+            <a:spAutoFit/>
+          </a:bodyPr>
+          <a:lstStyle/>
+          <a:p>
+            <a:r>
+              <a:rPr lang="en-US" sz="2400" b="1" dirty="0">
+                <a:solidFill>
+                  <a:schemeClr val="bg1"/>
+                </a:solidFill>
+              </a:rPr>
+              <a:t>Event producer</a:t>
+            </a:r>
+          </a:p>
+        </p:txBody>
+      </p:sp>
+      <p:sp>
+        <p:nvSpPr>
+          <p:cNvPr id="36" name="Obdélník 48">
+            <a:extLst>
+              <a:ext uri="{FF2B5EF4-FFF2-40B4-BE49-F238E27FC236}">
+                <a16:creationId xmlns:a16="http://schemas.microsoft.com/office/drawing/2014/main" id="{EBA11280-DBEC-D0E7-F639-9143625B3519}"/>
+              </a:ext>
+            </a:extLst>
+          </p:cNvPr>
+          <p:cNvSpPr/>
+          <p:nvPr/>
+        </p:nvSpPr>
+        <p:spPr>
+          <a:xfrm>
+            <a:off x="7537759" y="3855499"/>
+            <a:ext cx="2147778" cy="563213"/>
+          </a:xfrm>
+          <a:prstGeom prst="rect">
+            <a:avLst/>
+          </a:prstGeom>
+          <a:ln>
+            <a:noFill/>
+          </a:ln>
+        </p:spPr>
+        <p:style>
+          <a:lnRef idx="2">
+            <a:schemeClr val="accent1">
+              <a:shade val="15000"/>
+            </a:schemeClr>
+          </a:lnRef>
+          <a:fillRef idx="1">
+            <a:schemeClr val="accent1"/>
+          </a:fillRef>
+          <a:effectRef idx="0">
+            <a:schemeClr val="accent1"/>
+          </a:effectRef>
+          <a:fontRef idx="minor">
+            <a:schemeClr val="lt1"/>
+          </a:fontRef>
+        </p:style>
+        <p:txBody>
+          <a:bodyPr rtlCol="0" anchor="ctr"/>
+          <a:lstStyle/>
+          <a:p>
+            <a:pPr algn="ctr"/>
+            <a:endParaRPr lang="cs-CZ" dirty="0"/>
+          </a:p>
+        </p:txBody>
+      </p:sp>
+      <p:sp>
+        <p:nvSpPr>
+          <p:cNvPr id="40" name="TextovéPole 54">
+            <a:extLst>
+              <a:ext uri="{FF2B5EF4-FFF2-40B4-BE49-F238E27FC236}">
+                <a16:creationId xmlns:a16="http://schemas.microsoft.com/office/drawing/2014/main" id="{62469B08-7F71-E17A-10C1-1577AA71B7CD}"/>
+              </a:ext>
+            </a:extLst>
+          </p:cNvPr>
+          <p:cNvSpPr txBox="1"/>
+          <p:nvPr/>
+        </p:nvSpPr>
+        <p:spPr>
+          <a:xfrm>
+            <a:off x="7626417" y="3873759"/>
+            <a:ext cx="1970461" cy="461665"/>
+          </a:xfrm>
+          <a:prstGeom prst="rect">
+            <a:avLst/>
+          </a:prstGeom>
+          <a:noFill/>
+        </p:spPr>
+        <p:txBody>
+          <a:bodyPr wrap="square">
+            <a:spAutoFit/>
+          </a:bodyPr>
+          <a:lstStyle/>
+          <a:p>
+            <a:r>
+              <a:rPr lang="cs-CZ" sz="2400" b="1" dirty="0">
+                <a:solidFill>
+                  <a:schemeClr val="bg1"/>
+                </a:solidFill>
+              </a:rPr>
+              <a:t>Event </a:t>
+            </a:r>
+            <a:r>
+              <a:rPr lang="en-US" sz="2400" b="1" dirty="0">
+                <a:solidFill>
+                  <a:schemeClr val="bg1"/>
+                </a:solidFill>
+              </a:rPr>
+              <a:t>handler</a:t>
+            </a:r>
+            <a:endParaRPr lang="en-US" sz="2400" dirty="0"/>
+          </a:p>
+        </p:txBody>
+      </p:sp>
+      <p:cxnSp>
+        <p:nvCxnSpPr>
+          <p:cNvPr id="42" name="Přímá spojnice se šipkou 28">
+            <a:extLst>
+              <a:ext uri="{FF2B5EF4-FFF2-40B4-BE49-F238E27FC236}">
+                <a16:creationId xmlns:a16="http://schemas.microsoft.com/office/drawing/2014/main" id="{505D5BC5-D30C-DCE1-DB8D-5935864EBF1A}"/>
+              </a:ext>
+            </a:extLst>
+          </p:cNvPr>
+          <p:cNvCxnSpPr>
+            <a:cxnSpLocks/>
+          </p:cNvCxnSpPr>
+          <p:nvPr/>
+        </p:nvCxnSpPr>
+        <p:spPr>
+          <a:xfrm flipV="1">
+            <a:off x="8325391" y="2698261"/>
+            <a:ext cx="0" cy="956803"/>
+          </a:xfrm>
+          <a:prstGeom prst="straightConnector1">
+            <a:avLst/>
+          </a:prstGeom>
+          <a:ln w="28575">
+            <a:headEnd type="triangle"/>
+            <a:tailEnd type="triangle"/>
+          </a:ln>
+        </p:spPr>
+        <p:style>
+          <a:lnRef idx="1">
+            <a:schemeClr val="dk1"/>
+          </a:lnRef>
+          <a:fillRef idx="0">
+            <a:schemeClr val="dk1"/>
+          </a:fillRef>
+          <a:effectRef idx="0">
+            <a:schemeClr val="dk1"/>
+          </a:effectRef>
+          <a:fontRef idx="minor">
+            <a:schemeClr val="tx1"/>
+          </a:fontRef>
+        </p:style>
+      </p:cxnSp>
     </p:spTree>
     <p:extLst>
       <p:ext uri="{BB962C8B-B14F-4D97-AF65-F5344CB8AC3E}">
